--- a/Let vs Var.pptx
+++ b/Let vs Var.pptx
@@ -9,7 +9,8 @@
     <p:sldId id="257" r:id="rId3"/>
     <p:sldId id="258" r:id="rId4"/>
     <p:sldId id="261" r:id="rId5"/>
-    <p:sldId id="260" r:id="rId6"/>
+    <p:sldId id="262" r:id="rId6"/>
+    <p:sldId id="260" r:id="rId7"/>
   </p:sldIdLst>
   <p:sldSz cx="12192000" cy="6858000"/>
   <p:notesSz cx="6858000" cy="9144000"/>
@@ -6586,7 +6587,11 @@
           <a:p>
             <a:r>
               <a:rPr lang="hu-HU" dirty="0" smtClean="0"/>
-              <a:t>Csak a blokkon belül írható felül</a:t>
+              <a:t>Csak a blokkon belül </a:t>
+            </a:r>
+            <a:r>
+              <a:rPr lang="hu-HU" dirty="0" smtClean="0"/>
+              <a:t>érhető el</a:t>
             </a:r>
             <a:endParaRPr lang="hu-HU" dirty="0"/>
           </a:p>
@@ -6638,8 +6643,12 @@
           </a:p>
           <a:p>
             <a:r>
-              <a:rPr lang="hu-HU" dirty="0" smtClean="0"/>
-              <a:t>Bárhol felül írható</a:t>
+              <a:rPr lang="hu-HU" smtClean="0"/>
+              <a:t>Bárhol </a:t>
+            </a:r>
+            <a:r>
+              <a:rPr lang="hu-HU" smtClean="0"/>
+              <a:t>elérhető</a:t>
             </a:r>
             <a:endParaRPr lang="hu-HU" dirty="0"/>
           </a:p>
@@ -6666,6 +6675,95 @@
 </file>
 
 <file path=ppt/slides/slide5.xml><?xml version="1.0" encoding="utf-8"?>
+<p:sld xmlns:a="http://schemas.openxmlformats.org/drawingml/2006/main" xmlns:r="http://schemas.openxmlformats.org/officeDocument/2006/relationships" xmlns:p="http://schemas.openxmlformats.org/presentationml/2006/main">
+  <p:cSld>
+    <p:spTree>
+      <p:nvGrpSpPr>
+        <p:cNvPr id="1" name=""/>
+        <p:cNvGrpSpPr/>
+        <p:nvPr/>
+      </p:nvGrpSpPr>
+      <p:grpSpPr>
+        <a:xfrm>
+          <a:off x="0" y="0"/>
+          <a:ext cx="0" cy="0"/>
+          <a:chOff x="0" y="0"/>
+          <a:chExt cx="0" cy="0"/>
+        </a:xfrm>
+      </p:grpSpPr>
+      <p:sp>
+        <p:nvSpPr>
+          <p:cNvPr id="2" name="Cím 1"/>
+          <p:cNvSpPr>
+            <a:spLocks noGrp="1"/>
+          </p:cNvSpPr>
+          <p:nvPr>
+            <p:ph type="title"/>
+          </p:nvPr>
+        </p:nvSpPr>
+        <p:spPr/>
+        <p:txBody>
+          <a:bodyPr/>
+          <a:lstStyle/>
+          <a:p>
+            <a:r>
+              <a:rPr lang="hu-HU" dirty="0" smtClean="0"/>
+              <a:t>Kód</a:t>
+            </a:r>
+            <a:endParaRPr lang="hu-HU" dirty="0"/>
+          </a:p>
+        </p:txBody>
+      </p:sp>
+      <p:pic>
+        <p:nvPicPr>
+          <p:cNvPr id="4" name="Tartalom helye 3"/>
+          <p:cNvPicPr>
+            <a:picLocks noGrp="1" noChangeAspect="1"/>
+          </p:cNvPicPr>
+          <p:nvPr>
+            <p:ph idx="1"/>
+          </p:nvPr>
+        </p:nvPicPr>
+        <p:blipFill>
+          <a:blip r:embed="rId2">
+            <a:extLst>
+              <a:ext uri="{28A0092B-C50C-407E-A947-70E740481C1C}">
+                <a14:useLocalDpi xmlns:a14="http://schemas.microsoft.com/office/drawing/2010/main" val="0"/>
+              </a:ext>
+            </a:extLst>
+          </a:blip>
+          <a:stretch>
+            <a:fillRect/>
+          </a:stretch>
+        </p:blipFill>
+        <p:spPr>
+          <a:xfrm>
+            <a:off x="2369344" y="3019425"/>
+            <a:ext cx="8248650" cy="2419350"/>
+          </a:xfrm>
+        </p:spPr>
+      </p:pic>
+    </p:spTree>
+    <p:extLst>
+      <p:ext uri="{BB962C8B-B14F-4D97-AF65-F5344CB8AC3E}">
+        <p14:creationId xmlns:p14="http://schemas.microsoft.com/office/powerpoint/2010/main" val="1370487929"/>
+      </p:ext>
+    </p:extLst>
+  </p:cSld>
+  <p:clrMapOvr>
+    <a:masterClrMapping/>
+  </p:clrMapOvr>
+  <p:timing>
+    <p:tnLst>
+      <p:par>
+        <p:cTn id="1" dur="indefinite" restart="never" nodeType="tmRoot"/>
+      </p:par>
+    </p:tnLst>
+  </p:timing>
+</p:sld>
+</file>
+
+<file path=ppt/slides/slide6.xml><?xml version="1.0" encoding="utf-8"?>
 <p:sld xmlns:a="http://schemas.openxmlformats.org/drawingml/2006/main" xmlns:r="http://schemas.openxmlformats.org/officeDocument/2006/relationships" xmlns:p="http://schemas.openxmlformats.org/presentationml/2006/main">
   <p:cSld>
     <p:spTree>

--- a/Let vs Var.pptx
+++ b/Let vs Var.pptx
@@ -619,7 +619,7 @@
           <a:p>
             <a:fld id="{31FC506B-19D3-4990-9F74-EE4F49681BB9}" type="datetimeFigureOut">
               <a:rPr lang="hu-HU" smtClean="0"/>
-              <a:t>2019.02.20</a:t>
+              <a:t>2019. 02. 25.</a:t>
             </a:fld>
             <a:endParaRPr lang="hu-HU"/>
           </a:p>
@@ -915,7 +915,7 @@
           <a:p>
             <a:fld id="{31FC506B-19D3-4990-9F74-EE4F49681BB9}" type="datetimeFigureOut">
               <a:rPr lang="hu-HU" smtClean="0"/>
-              <a:t>2019.02.20</a:t>
+              <a:t>2019. 02. 25.</a:t>
             </a:fld>
             <a:endParaRPr lang="hu-HU"/>
           </a:p>
@@ -1163,7 +1163,7 @@
           <a:p>
             <a:fld id="{31FC506B-19D3-4990-9F74-EE4F49681BB9}" type="datetimeFigureOut">
               <a:rPr lang="hu-HU" smtClean="0"/>
-              <a:t>2019.02.20</a:t>
+              <a:t>2019. 02. 25.</a:t>
             </a:fld>
             <a:endParaRPr lang="hu-HU"/>
           </a:p>
@@ -1703,7 +1703,7 @@
           <a:p>
             <a:fld id="{31FC506B-19D3-4990-9F74-EE4F49681BB9}" type="datetimeFigureOut">
               <a:rPr lang="hu-HU" smtClean="0"/>
-              <a:t>2019.02.20</a:t>
+              <a:t>2019. 02. 25.</a:t>
             </a:fld>
             <a:endParaRPr lang="hu-HU"/>
           </a:p>
@@ -1951,7 +1951,7 @@
           <a:p>
             <a:fld id="{31FC506B-19D3-4990-9F74-EE4F49681BB9}" type="datetimeFigureOut">
               <a:rPr lang="hu-HU" smtClean="0"/>
-              <a:t>2019.02.20</a:t>
+              <a:t>2019. 02. 25.</a:t>
             </a:fld>
             <a:endParaRPr lang="hu-HU"/>
           </a:p>
@@ -2483,7 +2483,7 @@
           <a:p>
             <a:fld id="{31FC506B-19D3-4990-9F74-EE4F49681BB9}" type="datetimeFigureOut">
               <a:rPr lang="hu-HU" smtClean="0"/>
-              <a:t>2019.02.20</a:t>
+              <a:t>2019. 02. 25.</a:t>
             </a:fld>
             <a:endParaRPr lang="hu-HU"/>
           </a:p>
@@ -2780,7 +2780,7 @@
           <a:p>
             <a:fld id="{31FC506B-19D3-4990-9F74-EE4F49681BB9}" type="datetimeFigureOut">
               <a:rPr lang="hu-HU" smtClean="0"/>
-              <a:t>2019.02.20</a:t>
+              <a:t>2019. 02. 25.</a:t>
             </a:fld>
             <a:endParaRPr lang="hu-HU"/>
           </a:p>
@@ -2954,7 +2954,7 @@
           <a:p>
             <a:fld id="{31FC506B-19D3-4990-9F74-EE4F49681BB9}" type="datetimeFigureOut">
               <a:rPr lang="hu-HU" smtClean="0"/>
-              <a:t>2019.02.20</a:t>
+              <a:t>2019. 02. 25.</a:t>
             </a:fld>
             <a:endParaRPr lang="hu-HU"/>
           </a:p>
@@ -3134,7 +3134,7 @@
           <a:p>
             <a:fld id="{31FC506B-19D3-4990-9F74-EE4F49681BB9}" type="datetimeFigureOut">
               <a:rPr lang="hu-HU" smtClean="0"/>
-              <a:t>2019.02.20</a:t>
+              <a:t>2019. 02. 25.</a:t>
             </a:fld>
             <a:endParaRPr lang="hu-HU"/>
           </a:p>
@@ -3304,7 +3304,7 @@
           <a:p>
             <a:fld id="{31FC506B-19D3-4990-9F74-EE4F49681BB9}" type="datetimeFigureOut">
               <a:rPr lang="hu-HU" smtClean="0"/>
-              <a:t>2019.02.20</a:t>
+              <a:t>2019. 02. 25.</a:t>
             </a:fld>
             <a:endParaRPr lang="hu-HU"/>
           </a:p>
@@ -3555,7 +3555,7 @@
           <a:p>
             <a:fld id="{31FC506B-19D3-4990-9F74-EE4F49681BB9}" type="datetimeFigureOut">
               <a:rPr lang="hu-HU" smtClean="0"/>
-              <a:t>2019.02.20</a:t>
+              <a:t>2019. 02. 25.</a:t>
             </a:fld>
             <a:endParaRPr lang="hu-HU"/>
           </a:p>
@@ -3852,7 +3852,7 @@
           <a:p>
             <a:fld id="{31FC506B-19D3-4990-9F74-EE4F49681BB9}" type="datetimeFigureOut">
               <a:rPr lang="hu-HU" smtClean="0"/>
-              <a:t>2019.02.20</a:t>
+              <a:t>2019. 02. 25.</a:t>
             </a:fld>
             <a:endParaRPr lang="hu-HU"/>
           </a:p>
@@ -4294,7 +4294,7 @@
           <a:p>
             <a:fld id="{31FC506B-19D3-4990-9F74-EE4F49681BB9}" type="datetimeFigureOut">
               <a:rPr lang="hu-HU" smtClean="0"/>
-              <a:t>2019.02.20</a:t>
+              <a:t>2019. 02. 25.</a:t>
             </a:fld>
             <a:endParaRPr lang="hu-HU"/>
           </a:p>
@@ -4412,7 +4412,7 @@
           <a:p>
             <a:fld id="{31FC506B-19D3-4990-9F74-EE4F49681BB9}" type="datetimeFigureOut">
               <a:rPr lang="hu-HU" smtClean="0"/>
-              <a:t>2019.02.20</a:t>
+              <a:t>2019. 02. 25.</a:t>
             </a:fld>
             <a:endParaRPr lang="hu-HU"/>
           </a:p>
@@ -4507,7 +4507,7 @@
           <a:p>
             <a:fld id="{31FC506B-19D3-4990-9F74-EE4F49681BB9}" type="datetimeFigureOut">
               <a:rPr lang="hu-HU" smtClean="0"/>
-              <a:t>2019.02.20</a:t>
+              <a:t>2019. 02. 25.</a:t>
             </a:fld>
             <a:endParaRPr lang="hu-HU"/>
           </a:p>
@@ -4790,7 +4790,7 @@
           <a:p>
             <a:fld id="{31FC506B-19D3-4990-9F74-EE4F49681BB9}" type="datetimeFigureOut">
               <a:rPr lang="hu-HU" smtClean="0"/>
-              <a:t>2019.02.20</a:t>
+              <a:t>2019. 02. 25.</a:t>
             </a:fld>
             <a:endParaRPr lang="hu-HU"/>
           </a:p>
@@ -5081,7 +5081,7 @@
           <a:p>
             <a:fld id="{31FC506B-19D3-4990-9F74-EE4F49681BB9}" type="datetimeFigureOut">
               <a:rPr lang="hu-HU" smtClean="0"/>
-              <a:t>2019.02.20</a:t>
+              <a:t>2019. 02. 25.</a:t>
             </a:fld>
             <a:endParaRPr lang="hu-HU"/>
           </a:p>
@@ -5611,7 +5611,7 @@
           <a:p>
             <a:fld id="{31FC506B-19D3-4990-9F74-EE4F49681BB9}" type="datetimeFigureOut">
               <a:rPr lang="hu-HU" smtClean="0"/>
-              <a:t>2019.02.20</a:t>
+              <a:t>2019. 02. 25.</a:t>
             </a:fld>
             <a:endParaRPr lang="hu-HU"/>
           </a:p>
@@ -6587,11 +6587,7 @@
           <a:p>
             <a:r>
               <a:rPr lang="hu-HU" dirty="0" smtClean="0"/>
-              <a:t>Csak a blokkon belül </a:t>
-            </a:r>
-            <a:r>
-              <a:rPr lang="hu-HU" dirty="0" smtClean="0"/>
-              <a:t>érhető el</a:t>
+              <a:t>Csak a blokkon belül érhető el</a:t>
             </a:r>
             <a:endParaRPr lang="hu-HU" dirty="0"/>
           </a:p>
@@ -6644,11 +6640,7 @@
           <a:p>
             <a:r>
               <a:rPr lang="hu-HU" smtClean="0"/>
-              <a:t>Bárhol </a:t>
-            </a:r>
-            <a:r>
-              <a:rPr lang="hu-HU" smtClean="0"/>
-              <a:t>elérhető</a:t>
+              <a:t>Bárhol elérhető</a:t>
             </a:r>
             <a:endParaRPr lang="hu-HU" dirty="0"/>
           </a:p>
@@ -6714,39 +6706,219 @@
           </a:p>
         </p:txBody>
       </p:sp>
-      <p:pic>
-        <p:nvPicPr>
-          <p:cNvPr id="4" name="Tartalom helye 3"/>
-          <p:cNvPicPr>
-            <a:picLocks noGrp="1" noChangeAspect="1"/>
-          </p:cNvPicPr>
+      <p:sp>
+        <p:nvSpPr>
+          <p:cNvPr id="3" name="Tartalom helye 2"/>
+          <p:cNvSpPr>
+            <a:spLocks noGrp="1"/>
+          </p:cNvSpPr>
           <p:nvPr>
             <p:ph idx="1"/>
           </p:nvPr>
-        </p:nvPicPr>
-        <p:blipFill>
-          <a:blip r:embed="rId2">
-            <a:extLst>
-              <a:ext uri="{28A0092B-C50C-407E-A947-70E740481C1C}">
-                <a14:useLocalDpi xmlns:a14="http://schemas.microsoft.com/office/drawing/2010/main" val="0"/>
-              </a:ext>
-            </a:extLst>
-          </a:blip>
-          <a:stretch>
-            <a:fillRect/>
-          </a:stretch>
-        </p:blipFill>
-        <p:spPr>
-          <a:xfrm>
-            <a:off x="2369344" y="3019425"/>
-            <a:ext cx="8248650" cy="2419350"/>
-          </a:xfrm>
-        </p:spPr>
-      </p:pic>
+        </p:nvSpPr>
+        <p:spPr/>
+        <p:txBody>
+          <a:bodyPr>
+            <a:normAutofit/>
+          </a:bodyPr>
+          <a:lstStyle/>
+          <a:p>
+            <a:pPr marL="0" indent="0">
+              <a:buNone/>
+            </a:pPr>
+            <a:r>
+              <a:rPr lang="hu-HU" sz="1100" dirty="0"/>
+              <a:t>var a = </a:t>
+            </a:r>
+            <a:r>
+              <a:rPr lang="hu-HU" sz="1100" dirty="0" smtClean="0"/>
+              <a:t>31;       </a:t>
+            </a:r>
+          </a:p>
+          <a:p>
+            <a:pPr marL="0" indent="0">
+              <a:buNone/>
+            </a:pPr>
+            <a:r>
+              <a:rPr lang="hu-HU" sz="1100" dirty="0" smtClean="0"/>
+              <a:t> </a:t>
+            </a:r>
+            <a:r>
+              <a:rPr lang="hu-HU" sz="1100" dirty="0" err="1"/>
+              <a:t>if</a:t>
+            </a:r>
+            <a:r>
+              <a:rPr lang="hu-HU" sz="1100" dirty="0"/>
+              <a:t>(</a:t>
+            </a:r>
+            <a:r>
+              <a:rPr lang="hu-HU" sz="1100" dirty="0" err="1"/>
+              <a:t>true</a:t>
+            </a:r>
+            <a:r>
+              <a:rPr lang="hu-HU" sz="1100" dirty="0"/>
+              <a:t>)       </a:t>
+            </a:r>
+            <a:endParaRPr lang="hu-HU" sz="1100" dirty="0" smtClean="0"/>
+          </a:p>
+          <a:p>
+            <a:pPr marL="0" indent="0">
+              <a:buNone/>
+            </a:pPr>
+            <a:r>
+              <a:rPr lang="hu-HU" sz="1100" dirty="0" smtClean="0"/>
+              <a:t>    {            </a:t>
+            </a:r>
+          </a:p>
+          <a:p>
+            <a:pPr marL="457200" lvl="1" indent="0">
+              <a:buNone/>
+            </a:pPr>
+            <a:r>
+              <a:rPr lang="hu-HU" sz="1100" dirty="0" smtClean="0"/>
+              <a:t>var </a:t>
+            </a:r>
+            <a:r>
+              <a:rPr lang="hu-HU" sz="1100" dirty="0"/>
+              <a:t>a = 33</a:t>
+            </a:r>
+            <a:r>
+              <a:rPr lang="hu-HU" sz="1100" dirty="0" smtClean="0"/>
+              <a:t>;   Az a változó 33 lesz az </a:t>
+            </a:r>
+            <a:r>
+              <a:rPr lang="hu-HU" sz="1100" dirty="0" err="1" smtClean="0"/>
+              <a:t>if-ben</a:t>
+            </a:r>
+            <a:r>
+              <a:rPr lang="hu-HU" sz="1100" dirty="0" smtClean="0"/>
+              <a:t> és kívül is </a:t>
+            </a:r>
+            <a:r>
+              <a:rPr lang="hu-HU" sz="1100" smtClean="0"/>
+              <a:t>már végleg.</a:t>
+            </a:r>
+            <a:endParaRPr lang="hu-HU" sz="1100" dirty="0" smtClean="0"/>
+          </a:p>
+          <a:p>
+            <a:pPr marL="0" indent="0">
+              <a:buNone/>
+            </a:pPr>
+            <a:r>
+              <a:rPr lang="hu-HU" sz="1100" dirty="0" smtClean="0"/>
+              <a:t>   } </a:t>
+            </a:r>
+          </a:p>
+          <a:p>
+            <a:pPr marL="0" indent="0">
+              <a:buNone/>
+            </a:pPr>
+            <a:r>
+              <a:rPr lang="hu-HU" sz="1100" dirty="0" err="1" smtClean="0"/>
+              <a:t>let</a:t>
+            </a:r>
+            <a:r>
+              <a:rPr lang="hu-HU" sz="1100" dirty="0" smtClean="0"/>
+              <a:t> </a:t>
+            </a:r>
+            <a:r>
+              <a:rPr lang="hu-HU" sz="1100" dirty="0"/>
+              <a:t>b =32; </a:t>
+            </a:r>
+            <a:endParaRPr lang="hu-HU" sz="1100" dirty="0" smtClean="0"/>
+          </a:p>
+          <a:p>
+            <a:pPr marL="0" indent="0">
+              <a:buNone/>
+            </a:pPr>
+            <a:r>
+              <a:rPr lang="hu-HU" sz="1100" dirty="0" err="1" smtClean="0"/>
+              <a:t>if</a:t>
+            </a:r>
+            <a:r>
+              <a:rPr lang="hu-HU" sz="1100" dirty="0" smtClean="0"/>
+              <a:t>(</a:t>
+            </a:r>
+            <a:r>
+              <a:rPr lang="hu-HU" sz="1100" dirty="0" err="1" smtClean="0"/>
+              <a:t>true</a:t>
+            </a:r>
+            <a:r>
+              <a:rPr lang="hu-HU" sz="1100" dirty="0"/>
+              <a:t>)        </a:t>
+            </a:r>
+            <a:endParaRPr lang="hu-HU" sz="1100" dirty="0" smtClean="0"/>
+          </a:p>
+          <a:p>
+            <a:pPr marL="0" indent="0">
+              <a:buNone/>
+            </a:pPr>
+            <a:r>
+              <a:rPr lang="hu-HU" sz="1100" dirty="0" smtClean="0"/>
+              <a:t>  {           </a:t>
+            </a:r>
+          </a:p>
+          <a:p>
+            <a:pPr marL="0" indent="0">
+              <a:buNone/>
+            </a:pPr>
+            <a:r>
+              <a:rPr lang="hu-HU" sz="1100" dirty="0"/>
+              <a:t> </a:t>
+            </a:r>
+            <a:r>
+              <a:rPr lang="hu-HU" sz="1100" dirty="0" smtClean="0"/>
+              <a:t>              </a:t>
+            </a:r>
+            <a:r>
+              <a:rPr lang="hu-HU" sz="1100" dirty="0" err="1" smtClean="0"/>
+              <a:t>let</a:t>
+            </a:r>
+            <a:r>
+              <a:rPr lang="hu-HU" sz="1100" dirty="0" smtClean="0"/>
+              <a:t> </a:t>
+            </a:r>
+            <a:r>
+              <a:rPr lang="hu-HU" sz="1100" dirty="0"/>
+              <a:t>b = 33; </a:t>
+            </a:r>
+            <a:r>
+              <a:rPr lang="hu-HU" sz="1100" dirty="0" smtClean="0"/>
+              <a:t>A b változó 33 lesz, de csak az </a:t>
+            </a:r>
+            <a:r>
+              <a:rPr lang="hu-HU" sz="1100" dirty="0" err="1" smtClean="0"/>
+              <a:t>if-ben</a:t>
+            </a:r>
+            <a:r>
+              <a:rPr lang="hu-HU" sz="1100" dirty="0" smtClean="0"/>
+              <a:t> </a:t>
+            </a:r>
+            <a:r>
+              <a:rPr lang="hu-HU" sz="1100" dirty="0" err="1" smtClean="0"/>
+              <a:t>if-en</a:t>
+            </a:r>
+            <a:r>
+              <a:rPr lang="hu-HU" sz="1100" dirty="0" smtClean="0"/>
+              <a:t> kívül már nem.</a:t>
+            </a:r>
+          </a:p>
+          <a:p>
+            <a:pPr marL="0" indent="0">
+              <a:buNone/>
+            </a:pPr>
+            <a:r>
+              <a:rPr lang="hu-HU" sz="1100" dirty="0" smtClean="0"/>
+              <a:t>  }</a:t>
+            </a:r>
+            <a:endParaRPr lang="hu-HU" sz="1100" dirty="0"/>
+          </a:p>
+        </p:txBody>
+      </p:sp>
     </p:spTree>
     <p:extLst>
       <p:ext uri="{BB962C8B-B14F-4D97-AF65-F5344CB8AC3E}">
-        <p14:creationId xmlns:p14="http://schemas.microsoft.com/office/powerpoint/2010/main" val="1370487929"/>
+        <p14:creationId xmlns:p14="http://schemas.microsoft.com/office/powerpoint/2010/main" val="3768714195"/>
       </p:ext>
     </p:extLst>
   </p:cSld>
